--- a/2021_02_09/세미나4.pptx
+++ b/2021_02_09/세미나4.pptx
@@ -5,7 +5,7 @@
     <p:sldMasterId id="2147483648" r:id="rId1"/>
   </p:sldMasterIdLst>
   <p:notesMasterIdLst>
-    <p:notesMasterId r:id="rId17"/>
+    <p:notesMasterId r:id="rId18"/>
   </p:notesMasterIdLst>
   <p:sldIdLst>
     <p:sldId id="271" r:id="rId2"/>
@@ -21,16 +21,17 @@
     <p:sldId id="337" r:id="rId12"/>
     <p:sldId id="338" r:id="rId13"/>
     <p:sldId id="308" r:id="rId14"/>
-    <p:sldId id="286" r:id="rId15"/>
-    <p:sldId id="280" r:id="rId16"/>
+    <p:sldId id="339" r:id="rId15"/>
+    <p:sldId id="286" r:id="rId16"/>
+    <p:sldId id="280" r:id="rId17"/>
   </p:sldIdLst>
   <p:sldSz cx="12192000" cy="6858000"/>
   <p:notesSz cx="6858000" cy="9144000"/>
   <p:embeddedFontLst>
     <p:embeddedFont>
       <p:font typeface="맑은 고딕" panose="020B0503020000020004" pitchFamily="50" charset="-127"/>
-      <p:regular r:id="rId18"/>
-      <p:bold r:id="rId19"/>
+      <p:regular r:id="rId19"/>
+      <p:bold r:id="rId20"/>
     </p:embeddedFont>
   </p:embeddedFontLst>
   <p:defaultTextStyle>
@@ -229,7 +230,7 @@
           <a:p>
             <a:fld id="{0EB398E2-E316-4E96-990E-23BE4EE0A812}" type="datetimeFigureOut">
               <a:rPr lang="ko-KR" altLang="en-US" smtClean="0"/>
-              <a:t>2021-02-06</a:t>
+              <a:t>2021-02-07</a:t>
             </a:fld>
             <a:endParaRPr lang="ko-KR" altLang="en-US"/>
           </a:p>
@@ -1124,7 +1125,61 @@
             <a:endParaRPr lang="en-US" altLang="ko-KR"/>
           </a:p>
           <a:p>
+            <a:r>
+              <a:rPr lang="en-US" altLang="ko-KR"/>
+              <a:t>Vue</a:t>
+            </a:r>
+            <a:r>
+              <a:rPr lang="ko-KR" altLang="en-US"/>
+              <a:t>는 화면이나 기능을 적절하게 분리하여 컴포넌트화 시켜 개발하고 이것들을 연결하여 작동하도록 했습니다</a:t>
+            </a:r>
+            <a:r>
+              <a:rPr lang="en-US" altLang="ko-KR"/>
+              <a:t>.</a:t>
+            </a:r>
+          </a:p>
+          <a:p>
             <a:endParaRPr lang="en-US" altLang="ko-KR"/>
+          </a:p>
+          <a:p>
+            <a:r>
+              <a:rPr lang="ko-KR" altLang="en-US"/>
+              <a:t>그렇게 컴포넌트로 나누어 웹을 구성하는 예제를 보여드리려고 하는데 이제부터 </a:t>
+            </a:r>
+            <a:r>
+              <a:rPr lang="en-US" altLang="ko-KR"/>
+              <a:t>cdn</a:t>
+            </a:r>
+            <a:r>
+              <a:rPr lang="ko-KR" altLang="en-US"/>
+              <a:t>방식으로 </a:t>
+            </a:r>
+            <a:r>
+              <a:rPr lang="en-US" altLang="ko-KR"/>
+              <a:t>Vue </a:t>
+            </a:r>
+            <a:r>
+              <a:rPr lang="ko-KR" altLang="en-US"/>
+              <a:t>코드를 불러와 하는 방식이 아닌</a:t>
+            </a:r>
+            <a:endParaRPr lang="en-US" altLang="ko-KR"/>
+          </a:p>
+          <a:p>
+            <a:endParaRPr lang="en-US" altLang="ko-KR"/>
+          </a:p>
+          <a:p>
+            <a:r>
+              <a:rPr lang="en-US" altLang="ko-KR"/>
+              <a:t>Vue-cli</a:t>
+            </a:r>
+            <a:r>
+              <a:rPr lang="ko-KR" altLang="en-US"/>
+              <a:t>를 통해 작업환경을 쉽게 구성한 후 예제를 보여드리도록 하겠습니다</a:t>
+            </a:r>
+            <a:r>
+              <a:rPr lang="en-US" altLang="ko-KR"/>
+              <a:t>.</a:t>
+            </a:r>
           </a:p>
         </p:txBody>
       </p:sp>
@@ -1208,7 +1263,195 @@
           <a:bodyPr/>
           <a:lstStyle/>
           <a:p>
-            <a:endParaRPr lang="ko-KR" altLang="en-US" dirty="0"/>
+            <a:r>
+              <a:rPr lang="en-US" altLang="ko-KR"/>
+              <a:t>Vue</a:t>
+            </a:r>
+            <a:r>
+              <a:rPr lang="ko-KR" altLang="en-US"/>
+              <a:t> </a:t>
+            </a:r>
+            <a:r>
+              <a:rPr lang="en-US" altLang="ko-KR"/>
+              <a:t>cli</a:t>
+            </a:r>
+            <a:r>
+              <a:rPr lang="ko-KR" altLang="en-US"/>
+              <a:t>를 통해 작업환경을 구축하면 다음과 같은 폴더 구조가 생성됩니다</a:t>
+            </a:r>
+            <a:r>
+              <a:rPr lang="en-US" altLang="ko-KR"/>
+              <a:t>.</a:t>
+            </a:r>
+          </a:p>
+          <a:p>
+            <a:endParaRPr lang="en-US" altLang="ko-KR"/>
+          </a:p>
+          <a:p>
+            <a:r>
+              <a:rPr lang="en-US" altLang="ko-KR"/>
+              <a:t>.vue</a:t>
+            </a:r>
+            <a:r>
+              <a:rPr lang="ko-KR" altLang="en-US"/>
+              <a:t>라는 확장자를 가지는 파일들이 앞으로 다루는 요소와 </a:t>
+            </a:r>
+            <a:r>
+              <a:rPr lang="en-US" altLang="ko-KR"/>
+              <a:t>Vue </a:t>
+            </a:r>
+            <a:r>
+              <a:rPr lang="ko-KR" altLang="en-US"/>
+              <a:t>문법과 스타일이 들어있는 코드입니다</a:t>
+            </a:r>
+            <a:r>
+              <a:rPr lang="en-US" altLang="ko-KR"/>
+              <a:t>.</a:t>
+            </a:r>
+          </a:p>
+          <a:p>
+            <a:endParaRPr lang="en-US" altLang="ko-KR"/>
+          </a:p>
+          <a:p>
+            <a:r>
+              <a:rPr lang="en-US" altLang="ko-KR"/>
+              <a:t>App</a:t>
+            </a:r>
+            <a:r>
+              <a:rPr lang="ko-KR" altLang="en-US"/>
+              <a:t>이라는 하나의 파일이 화면에 렌더링되고 그 안에 라우터링크나 컴포넌트들이 들어가 웹 페이지를 구성하도록 하는 것입니다</a:t>
+            </a:r>
+            <a:r>
+              <a:rPr lang="en-US" altLang="ko-KR"/>
+              <a:t>.</a:t>
+            </a:r>
+          </a:p>
+          <a:p>
+            <a:endParaRPr lang="en-US" altLang="ko-KR"/>
+          </a:p>
+          <a:p>
+            <a:r>
+              <a:rPr lang="ko-KR" altLang="en-US"/>
+              <a:t>컴포넌트는 </a:t>
+            </a:r>
+            <a:r>
+              <a:rPr lang="en-US" altLang="ko-KR"/>
+              <a:t>components</a:t>
+            </a:r>
+            <a:r>
+              <a:rPr lang="ko-KR" altLang="en-US"/>
+              <a:t>라는 폴더에 보관하고 </a:t>
+            </a:r>
+            <a:r>
+              <a:rPr lang="en-US" altLang="ko-KR"/>
+              <a:t>assets </a:t>
+            </a:r>
+            <a:r>
+              <a:rPr lang="ko-KR" altLang="en-US"/>
+              <a:t>이라는 폴더에 사진등을 보관한다고 보시면 됩니다</a:t>
+            </a:r>
+            <a:r>
+              <a:rPr lang="en-US" altLang="ko-KR"/>
+              <a:t>.</a:t>
+            </a:r>
+          </a:p>
+          <a:p>
+            <a:endParaRPr lang="en-US" altLang="ko-KR"/>
+          </a:p>
+          <a:p>
+            <a:r>
+              <a:rPr lang="en-US" altLang="ko-KR"/>
+              <a:t>App</a:t>
+            </a:r>
+            <a:r>
+              <a:rPr lang="ko-KR" altLang="en-US"/>
+              <a:t>이라는 파일 내부를 살펴보면 </a:t>
+            </a:r>
+            <a:r>
+              <a:rPr lang="en-US" altLang="ko-KR"/>
+              <a:t>template </a:t>
+            </a:r>
+            <a:r>
+              <a:rPr lang="ko-KR" altLang="en-US"/>
+              <a:t>태그에서는</a:t>
+            </a:r>
+            <a:r>
+              <a:rPr lang="en-US" altLang="ko-KR"/>
+              <a:t> html </a:t>
+            </a:r>
+            <a:r>
+              <a:rPr lang="ko-KR" altLang="en-US"/>
+              <a:t>요소들이</a:t>
+            </a:r>
+            <a:endParaRPr lang="en-US" altLang="ko-KR"/>
+          </a:p>
+          <a:p>
+            <a:endParaRPr lang="en-US" altLang="ko-KR"/>
+          </a:p>
+          <a:p>
+            <a:r>
+              <a:rPr lang="en-US" altLang="ko-KR"/>
+              <a:t>Script</a:t>
+            </a:r>
+            <a:r>
+              <a:rPr lang="ko-KR" altLang="en-US"/>
+              <a:t>에서는 이전에 배웠던 </a:t>
+            </a:r>
+            <a:r>
+              <a:rPr lang="en-US" altLang="ko-KR"/>
+              <a:t>Vue </a:t>
+            </a:r>
+            <a:r>
+              <a:rPr lang="ko-KR" altLang="en-US"/>
+              <a:t>문법들</a:t>
+            </a:r>
+            <a:endParaRPr lang="en-US" altLang="ko-KR"/>
+          </a:p>
+          <a:p>
+            <a:endParaRPr lang="en-US" altLang="ko-KR"/>
+          </a:p>
+          <a:p>
+            <a:r>
+              <a:rPr lang="en-US" altLang="ko-KR"/>
+              <a:t>Style</a:t>
+            </a:r>
+            <a:r>
+              <a:rPr lang="ko-KR" altLang="en-US"/>
+              <a:t>에서는 그냥 </a:t>
+            </a:r>
+            <a:r>
+              <a:rPr lang="en-US" altLang="ko-KR"/>
+              <a:t>css</a:t>
+            </a:r>
+            <a:r>
+              <a:rPr lang="ko-KR" altLang="en-US"/>
+              <a:t>나 </a:t>
+            </a:r>
+            <a:r>
+              <a:rPr lang="en-US" altLang="ko-KR"/>
+              <a:t>sass </a:t>
+            </a:r>
+            <a:r>
+              <a:rPr lang="ko-KR" altLang="en-US"/>
+              <a:t>스타일들이 들어가게 되는 간단한 구조를 가지고 있습니다</a:t>
+            </a:r>
+            <a:r>
+              <a:rPr lang="en-US" altLang="ko-KR"/>
+              <a:t>.</a:t>
+            </a:r>
+          </a:p>
+          <a:p>
+            <a:endParaRPr lang="en-US" altLang="ko-KR"/>
+          </a:p>
+          <a:p>
+            <a:r>
+              <a:rPr lang="ko-KR" altLang="en-US"/>
+              <a:t>그럼 지금부터 이 것을 활용해 컴포넌트를 활용한 예제를 보도록 하겠습니다</a:t>
+            </a:r>
+            <a:r>
+              <a:rPr lang="en-US" altLang="ko-KR"/>
+              <a:t>.</a:t>
+            </a:r>
           </a:p>
         </p:txBody>
       </p:sp>
@@ -1230,6 +1473,90 @@
             <a:fld id="{D77D3CDB-C11F-4B3C-8011-4CB70A9F6877}" type="slidenum">
               <a:rPr lang="ko-KR" altLang="en-US" smtClean="0"/>
               <a:t>14</a:t>
+            </a:fld>
+            <a:endParaRPr lang="ko-KR" altLang="en-US"/>
+          </a:p>
+        </p:txBody>
+      </p:sp>
+    </p:spTree>
+    <p:extLst>
+      <p:ext uri="{BB962C8B-B14F-4D97-AF65-F5344CB8AC3E}">
+        <p14:creationId xmlns:p14="http://schemas.microsoft.com/office/powerpoint/2010/main" val="3831476162"/>
+      </p:ext>
+    </p:extLst>
+  </p:cSld>
+  <p:clrMapOvr>
+    <a:masterClrMapping/>
+  </p:clrMapOvr>
+</p:notes>
+</file>
+
+<file path=ppt/notesSlides/notesSlide15.xml><?xml version="1.0" encoding="utf-8"?>
+<p:notes xmlns:a="http://schemas.openxmlformats.org/drawingml/2006/main" xmlns:r="http://schemas.openxmlformats.org/officeDocument/2006/relationships" xmlns:p="http://schemas.openxmlformats.org/presentationml/2006/main">
+  <p:cSld>
+    <p:spTree>
+      <p:nvGrpSpPr>
+        <p:cNvPr id="1" name=""/>
+        <p:cNvGrpSpPr/>
+        <p:nvPr/>
+      </p:nvGrpSpPr>
+      <p:grpSpPr>
+        <a:xfrm>
+          <a:off x="0" y="0"/>
+          <a:ext cx="0" cy="0"/>
+          <a:chOff x="0" y="0"/>
+          <a:chExt cx="0" cy="0"/>
+        </a:xfrm>
+      </p:grpSpPr>
+      <p:sp>
+        <p:nvSpPr>
+          <p:cNvPr id="2" name="슬라이드 이미지 개체 틀 1"/>
+          <p:cNvSpPr>
+            <a:spLocks noGrp="1" noRot="1" noChangeAspect="1"/>
+          </p:cNvSpPr>
+          <p:nvPr>
+            <p:ph type="sldImg"/>
+          </p:nvPr>
+        </p:nvSpPr>
+        <p:spPr/>
+      </p:sp>
+      <p:sp>
+        <p:nvSpPr>
+          <p:cNvPr id="3" name="슬라이드 노트 개체 틀 2"/>
+          <p:cNvSpPr>
+            <a:spLocks noGrp="1"/>
+          </p:cNvSpPr>
+          <p:nvPr>
+            <p:ph type="body" idx="1"/>
+          </p:nvPr>
+        </p:nvSpPr>
+        <p:spPr/>
+        <p:txBody>
+          <a:bodyPr/>
+          <a:lstStyle/>
+          <a:p>
+            <a:endParaRPr lang="ko-KR" altLang="en-US" dirty="0"/>
+          </a:p>
+        </p:txBody>
+      </p:sp>
+      <p:sp>
+        <p:nvSpPr>
+          <p:cNvPr id="4" name="슬라이드 번호 개체 틀 3"/>
+          <p:cNvSpPr>
+            <a:spLocks noGrp="1"/>
+          </p:cNvSpPr>
+          <p:nvPr>
+            <p:ph type="sldNum" sz="quarter" idx="5"/>
+          </p:nvPr>
+        </p:nvSpPr>
+        <p:spPr/>
+        <p:txBody>
+          <a:bodyPr/>
+          <a:lstStyle/>
+          <a:p>
+            <a:fld id="{D77D3CDB-C11F-4B3C-8011-4CB70A9F6877}" type="slidenum">
+              <a:rPr lang="ko-KR" altLang="en-US" smtClean="0"/>
+              <a:t>15</a:t>
             </a:fld>
             <a:endParaRPr lang="ko-KR" altLang="en-US"/>
           </a:p>
@@ -2425,7 +2752,7 @@
           <a:p>
             <a:fld id="{784D74D0-C08C-4FA0-B1AC-58A8B9A14615}" type="datetimeFigureOut">
               <a:rPr lang="ko-KR" altLang="en-US" smtClean="0"/>
-              <a:t>2021-02-06</a:t>
+              <a:t>2021-02-07</a:t>
             </a:fld>
             <a:endParaRPr lang="ko-KR" altLang="en-US"/>
           </a:p>
@@ -2623,7 +2950,7 @@
           <a:p>
             <a:fld id="{784D74D0-C08C-4FA0-B1AC-58A8B9A14615}" type="datetimeFigureOut">
               <a:rPr lang="ko-KR" altLang="en-US" smtClean="0"/>
-              <a:t>2021-02-06</a:t>
+              <a:t>2021-02-07</a:t>
             </a:fld>
             <a:endParaRPr lang="ko-KR" altLang="en-US"/>
           </a:p>
@@ -2831,7 +3158,7 @@
           <a:p>
             <a:fld id="{784D74D0-C08C-4FA0-B1AC-58A8B9A14615}" type="datetimeFigureOut">
               <a:rPr lang="ko-KR" altLang="en-US" smtClean="0"/>
-              <a:t>2021-02-06</a:t>
+              <a:t>2021-02-07</a:t>
             </a:fld>
             <a:endParaRPr lang="ko-KR" altLang="en-US"/>
           </a:p>
@@ -3029,7 +3356,7 @@
           <a:p>
             <a:fld id="{784D74D0-C08C-4FA0-B1AC-58A8B9A14615}" type="datetimeFigureOut">
               <a:rPr lang="ko-KR" altLang="en-US" smtClean="0"/>
-              <a:t>2021-02-06</a:t>
+              <a:t>2021-02-07</a:t>
             </a:fld>
             <a:endParaRPr lang="ko-KR" altLang="en-US"/>
           </a:p>
@@ -3304,7 +3631,7 @@
           <a:p>
             <a:fld id="{784D74D0-C08C-4FA0-B1AC-58A8B9A14615}" type="datetimeFigureOut">
               <a:rPr lang="ko-KR" altLang="en-US" smtClean="0"/>
-              <a:t>2021-02-06</a:t>
+              <a:t>2021-02-07</a:t>
             </a:fld>
             <a:endParaRPr lang="ko-KR" altLang="en-US"/>
           </a:p>
@@ -3569,7 +3896,7 @@
           <a:p>
             <a:fld id="{784D74D0-C08C-4FA0-B1AC-58A8B9A14615}" type="datetimeFigureOut">
               <a:rPr lang="ko-KR" altLang="en-US" smtClean="0"/>
-              <a:t>2021-02-06</a:t>
+              <a:t>2021-02-07</a:t>
             </a:fld>
             <a:endParaRPr lang="ko-KR" altLang="en-US"/>
           </a:p>
@@ -3981,7 +4308,7 @@
           <a:p>
             <a:fld id="{784D74D0-C08C-4FA0-B1AC-58A8B9A14615}" type="datetimeFigureOut">
               <a:rPr lang="ko-KR" altLang="en-US" smtClean="0"/>
-              <a:t>2021-02-06</a:t>
+              <a:t>2021-02-07</a:t>
             </a:fld>
             <a:endParaRPr lang="ko-KR" altLang="en-US"/>
           </a:p>
@@ -4122,7 +4449,7 @@
           <a:p>
             <a:fld id="{784D74D0-C08C-4FA0-B1AC-58A8B9A14615}" type="datetimeFigureOut">
               <a:rPr lang="ko-KR" altLang="en-US" smtClean="0"/>
-              <a:t>2021-02-06</a:t>
+              <a:t>2021-02-07</a:t>
             </a:fld>
             <a:endParaRPr lang="ko-KR" altLang="en-US"/>
           </a:p>
@@ -4235,7 +4562,7 @@
           <a:p>
             <a:fld id="{784D74D0-C08C-4FA0-B1AC-58A8B9A14615}" type="datetimeFigureOut">
               <a:rPr lang="ko-KR" altLang="en-US" smtClean="0"/>
-              <a:t>2021-02-06</a:t>
+              <a:t>2021-02-07</a:t>
             </a:fld>
             <a:endParaRPr lang="ko-KR" altLang="en-US"/>
           </a:p>
@@ -4546,7 +4873,7 @@
           <a:p>
             <a:fld id="{784D74D0-C08C-4FA0-B1AC-58A8B9A14615}" type="datetimeFigureOut">
               <a:rPr lang="ko-KR" altLang="en-US" smtClean="0"/>
-              <a:t>2021-02-06</a:t>
+              <a:t>2021-02-07</a:t>
             </a:fld>
             <a:endParaRPr lang="ko-KR" altLang="en-US"/>
           </a:p>
@@ -4834,7 +5161,7 @@
           <a:p>
             <a:fld id="{784D74D0-C08C-4FA0-B1AC-58A8B9A14615}" type="datetimeFigureOut">
               <a:rPr lang="ko-KR" altLang="en-US" smtClean="0"/>
-              <a:t>2021-02-06</a:t>
+              <a:t>2021-02-07</a:t>
             </a:fld>
             <a:endParaRPr lang="ko-KR" altLang="en-US"/>
           </a:p>
@@ -5075,7 +5402,7 @@
           <a:p>
             <a:fld id="{784D74D0-C08C-4FA0-B1AC-58A8B9A14615}" type="datetimeFigureOut">
               <a:rPr lang="ko-KR" altLang="en-US" smtClean="0"/>
-              <a:t>2021-02-06</a:t>
+              <a:t>2021-02-07</a:t>
             </a:fld>
             <a:endParaRPr lang="ko-KR" altLang="en-US"/>
           </a:p>
@@ -7273,6 +7600,493 @@
           <a:chExt cx="0" cy="0"/>
         </a:xfrm>
       </p:grpSpPr>
+      <p:grpSp>
+        <p:nvGrpSpPr>
+          <p:cNvPr id="6" name="그룹 5">
+            <a:extLst>
+              <a:ext uri="{FF2B5EF4-FFF2-40B4-BE49-F238E27FC236}">
+                <a16:creationId xmlns:a16="http://schemas.microsoft.com/office/drawing/2014/main" id="{CA7BD838-D4FB-4EA7-B68C-FA7B6D147BA2}"/>
+              </a:ext>
+            </a:extLst>
+          </p:cNvPr>
+          <p:cNvGrpSpPr/>
+          <p:nvPr/>
+        </p:nvGrpSpPr>
+        <p:grpSpPr>
+          <a:xfrm>
+            <a:off x="159192" y="182880"/>
+            <a:ext cx="1852488" cy="854227"/>
+            <a:chOff x="640080" y="-971550"/>
+            <a:chExt cx="1660746" cy="765810"/>
+          </a:xfrm>
+        </p:grpSpPr>
+        <p:sp>
+          <p:nvSpPr>
+            <p:cNvPr id="18" name="TextBox 17">
+              <a:extLst>
+                <a:ext uri="{FF2B5EF4-FFF2-40B4-BE49-F238E27FC236}">
+                  <a16:creationId xmlns:a16="http://schemas.microsoft.com/office/drawing/2014/main" id="{D7B7EE40-BAD9-4569-9BF6-F6E9ACA78A3C}"/>
+                </a:ext>
+              </a:extLst>
+            </p:cNvPr>
+            <p:cNvSpPr txBox="1"/>
+            <p:nvPr/>
+          </p:nvSpPr>
+          <p:spPr>
+            <a:xfrm>
+              <a:off x="675005" y="-733504"/>
+              <a:ext cx="1590896" cy="275920"/>
+            </a:xfrm>
+            <a:prstGeom prst="rect">
+              <a:avLst/>
+            </a:prstGeom>
+            <a:noFill/>
+          </p:spPr>
+          <p:txBody>
+            <a:bodyPr wrap="square" rtlCol="0">
+              <a:spAutoFit/>
+            </a:bodyPr>
+            <a:lstStyle/>
+            <a:p>
+              <a:pPr algn="ctr"/>
+              <a:r>
+                <a:rPr lang="ko-KR" altLang="en-US" sz="1400">
+                  <a:ln>
+                    <a:solidFill>
+                      <a:schemeClr val="tx1">
+                        <a:alpha val="30000"/>
+                      </a:schemeClr>
+                    </a:solidFill>
+                  </a:ln>
+                  <a:latin typeface="맑은 고딕" panose="020B0503020000020004" pitchFamily="50" charset="-127"/>
+                  <a:ea typeface="맑은 고딕" panose="020B0503020000020004" pitchFamily="50" charset="-127"/>
+                </a:rPr>
+                <a:t>컴포넌트</a:t>
+              </a:r>
+              <a:endParaRPr lang="ko-KR" altLang="en-US" sz="1400" dirty="0">
+                <a:ln>
+                  <a:solidFill>
+                    <a:schemeClr val="tx1">
+                      <a:alpha val="30000"/>
+                    </a:schemeClr>
+                  </a:solidFill>
+                </a:ln>
+                <a:latin typeface="맑은 고딕" panose="020B0503020000020004" pitchFamily="50" charset="-127"/>
+                <a:ea typeface="맑은 고딕" panose="020B0503020000020004" pitchFamily="50" charset="-127"/>
+              </a:endParaRPr>
+            </a:p>
+          </p:txBody>
+        </p:sp>
+        <p:sp>
+          <p:nvSpPr>
+            <p:cNvPr id="5" name="직사각형 4">
+              <a:extLst>
+                <a:ext uri="{FF2B5EF4-FFF2-40B4-BE49-F238E27FC236}">
+                  <a16:creationId xmlns:a16="http://schemas.microsoft.com/office/drawing/2014/main" id="{AB4C8245-D0E4-4D79-B3E9-2FB89CE6FE84}"/>
+                </a:ext>
+              </a:extLst>
+            </p:cNvPr>
+            <p:cNvSpPr/>
+            <p:nvPr/>
+          </p:nvSpPr>
+          <p:spPr>
+            <a:xfrm>
+              <a:off x="640080" y="-971550"/>
+              <a:ext cx="1660746" cy="765810"/>
+            </a:xfrm>
+            <a:prstGeom prst="rect">
+              <a:avLst/>
+            </a:prstGeom>
+            <a:noFill/>
+            <a:ln w="25400">
+              <a:solidFill>
+                <a:schemeClr val="tx1"/>
+              </a:solidFill>
+            </a:ln>
+          </p:spPr>
+          <p:style>
+            <a:lnRef idx="2">
+              <a:schemeClr val="accent1">
+                <a:shade val="50000"/>
+              </a:schemeClr>
+            </a:lnRef>
+            <a:fillRef idx="1">
+              <a:schemeClr val="accent1"/>
+            </a:fillRef>
+            <a:effectRef idx="0">
+              <a:schemeClr val="accent1"/>
+            </a:effectRef>
+            <a:fontRef idx="minor">
+              <a:schemeClr val="lt1"/>
+            </a:fontRef>
+          </p:style>
+          <p:txBody>
+            <a:bodyPr rtlCol="0" anchor="ctr"/>
+            <a:lstStyle/>
+            <a:p>
+              <a:pPr algn="ctr"/>
+              <a:endParaRPr lang="ko-KR" altLang="en-US" dirty="0">
+                <a:latin typeface="맑은 고딕" panose="020B0503020000020004" pitchFamily="50" charset="-127"/>
+                <a:ea typeface="맑은 고딕" panose="020B0503020000020004" pitchFamily="50" charset="-127"/>
+              </a:endParaRPr>
+            </a:p>
+          </p:txBody>
+        </p:sp>
+      </p:grpSp>
+      <p:pic>
+        <p:nvPicPr>
+          <p:cNvPr id="3" name="그림 2">
+            <a:extLst>
+              <a:ext uri="{FF2B5EF4-FFF2-40B4-BE49-F238E27FC236}">
+                <a16:creationId xmlns:a16="http://schemas.microsoft.com/office/drawing/2014/main" id="{0E48E4CD-03C1-4075-8FB0-1ECC21EB5BE3}"/>
+              </a:ext>
+            </a:extLst>
+          </p:cNvPr>
+          <p:cNvPicPr>
+            <a:picLocks noChangeAspect="1"/>
+          </p:cNvPicPr>
+          <p:nvPr/>
+        </p:nvPicPr>
+        <p:blipFill>
+          <a:blip r:embed="rId3"/>
+          <a:stretch>
+            <a:fillRect/>
+          </a:stretch>
+        </p:blipFill>
+        <p:spPr>
+          <a:xfrm>
+            <a:off x="1302204" y="1735043"/>
+            <a:ext cx="2237830" cy="4357187"/>
+          </a:xfrm>
+          <a:prstGeom prst="rect">
+            <a:avLst/>
+          </a:prstGeom>
+        </p:spPr>
+      </p:pic>
+      <p:pic>
+        <p:nvPicPr>
+          <p:cNvPr id="7" name="그림 6">
+            <a:extLst>
+              <a:ext uri="{FF2B5EF4-FFF2-40B4-BE49-F238E27FC236}">
+                <a16:creationId xmlns:a16="http://schemas.microsoft.com/office/drawing/2014/main" id="{BBCDF93D-8147-4845-A46C-0D8CE79EEFA0}"/>
+              </a:ext>
+            </a:extLst>
+          </p:cNvPr>
+          <p:cNvPicPr>
+            <a:picLocks noChangeAspect="1"/>
+          </p:cNvPicPr>
+          <p:nvPr/>
+        </p:nvPicPr>
+        <p:blipFill>
+          <a:blip r:embed="rId4"/>
+          <a:stretch>
+            <a:fillRect/>
+          </a:stretch>
+        </p:blipFill>
+        <p:spPr>
+          <a:xfrm>
+            <a:off x="7081493" y="1735042"/>
+            <a:ext cx="4091775" cy="4357187"/>
+          </a:xfrm>
+          <a:prstGeom prst="rect">
+            <a:avLst/>
+          </a:prstGeom>
+        </p:spPr>
+      </p:pic>
+      <p:sp>
+        <p:nvSpPr>
+          <p:cNvPr id="8" name="직사각형 7">
+            <a:extLst>
+              <a:ext uri="{FF2B5EF4-FFF2-40B4-BE49-F238E27FC236}">
+                <a16:creationId xmlns:a16="http://schemas.microsoft.com/office/drawing/2014/main" id="{1BF65AB8-C527-4263-B5D8-561D80AB3607}"/>
+              </a:ext>
+            </a:extLst>
+          </p:cNvPr>
+          <p:cNvSpPr/>
+          <p:nvPr/>
+        </p:nvSpPr>
+        <p:spPr>
+          <a:xfrm>
+            <a:off x="1750423" y="3735977"/>
+            <a:ext cx="1123406" cy="326572"/>
+          </a:xfrm>
+          <a:prstGeom prst="rect">
+            <a:avLst/>
+          </a:prstGeom>
+          <a:noFill/>
+          <a:ln w="38100">
+            <a:solidFill>
+              <a:srgbClr val="FF0000"/>
+            </a:solidFill>
+          </a:ln>
+        </p:spPr>
+        <p:style>
+          <a:lnRef idx="2">
+            <a:schemeClr val="accent1">
+              <a:shade val="50000"/>
+            </a:schemeClr>
+          </a:lnRef>
+          <a:fillRef idx="1">
+            <a:schemeClr val="accent1"/>
+          </a:fillRef>
+          <a:effectRef idx="0">
+            <a:schemeClr val="accent1"/>
+          </a:effectRef>
+          <a:fontRef idx="minor">
+            <a:schemeClr val="lt1"/>
+          </a:fontRef>
+        </p:style>
+        <p:txBody>
+          <a:bodyPr rtlCol="0" anchor="ctr"/>
+          <a:lstStyle/>
+          <a:p>
+            <a:pPr algn="ctr"/>
+            <a:endParaRPr lang="ko-KR" altLang="en-US"/>
+          </a:p>
+        </p:txBody>
+      </p:sp>
+      <p:cxnSp>
+        <p:nvCxnSpPr>
+          <p:cNvPr id="13" name="직선 화살표 연결선 12">
+            <a:extLst>
+              <a:ext uri="{FF2B5EF4-FFF2-40B4-BE49-F238E27FC236}">
+                <a16:creationId xmlns:a16="http://schemas.microsoft.com/office/drawing/2014/main" id="{23CBD4A4-2E0B-4C80-A917-7172B32431DA}"/>
+              </a:ext>
+            </a:extLst>
+          </p:cNvPr>
+          <p:cNvCxnSpPr>
+            <a:stCxn id="8" idx="3"/>
+          </p:cNvCxnSpPr>
+          <p:nvPr/>
+        </p:nvCxnSpPr>
+        <p:spPr>
+          <a:xfrm flipV="1">
+            <a:off x="2873829" y="3866606"/>
+            <a:ext cx="4207664" cy="32657"/>
+          </a:xfrm>
+          <a:prstGeom prst="straightConnector1">
+            <a:avLst/>
+          </a:prstGeom>
+          <a:ln w="38100">
+            <a:solidFill>
+              <a:srgbClr val="FF0000"/>
+            </a:solidFill>
+            <a:tailEnd type="triangle"/>
+          </a:ln>
+        </p:spPr>
+        <p:style>
+          <a:lnRef idx="1">
+            <a:schemeClr val="accent1"/>
+          </a:lnRef>
+          <a:fillRef idx="0">
+            <a:schemeClr val="accent1"/>
+          </a:fillRef>
+          <a:effectRef idx="0">
+            <a:schemeClr val="accent1"/>
+          </a:effectRef>
+          <a:fontRef idx="minor">
+            <a:schemeClr val="tx1"/>
+          </a:fontRef>
+        </p:style>
+      </p:cxnSp>
+    </p:spTree>
+    <p:extLst>
+      <p:ext uri="{BB962C8B-B14F-4D97-AF65-F5344CB8AC3E}">
+        <p14:creationId xmlns:p14="http://schemas.microsoft.com/office/powerpoint/2010/main" val="1089299132"/>
+      </p:ext>
+    </p:extLst>
+  </p:cSld>
+  <p:clrMapOvr>
+    <a:masterClrMapping/>
+  </p:clrMapOvr>
+  <p:timing>
+    <p:tnLst>
+      <p:par>
+        <p:cTn id="1" dur="indefinite" restart="never" nodeType="tmRoot">
+          <p:childTnLst>
+            <p:seq concurrent="1" nextAc="seek">
+              <p:cTn id="2" dur="indefinite" nodeType="mainSeq">
+                <p:childTnLst>
+                  <p:par>
+                    <p:cTn id="3" fill="hold">
+                      <p:stCondLst>
+                        <p:cond delay="indefinite"/>
+                      </p:stCondLst>
+                      <p:childTnLst>
+                        <p:par>
+                          <p:cTn id="4" fill="hold">
+                            <p:stCondLst>
+                              <p:cond delay="0"/>
+                            </p:stCondLst>
+                            <p:childTnLst>
+                              <p:par>
+                                <p:cTn id="5" presetID="1" presetClass="entr" presetSubtype="0" fill="hold" grpId="0" nodeType="clickEffect">
+                                  <p:stCondLst>
+                                    <p:cond delay="0"/>
+                                  </p:stCondLst>
+                                  <p:childTnLst>
+                                    <p:set>
+                                      <p:cBhvr>
+                                        <p:cTn id="6" dur="1" fill="hold">
+                                          <p:stCondLst>
+                                            <p:cond delay="0"/>
+                                          </p:stCondLst>
+                                        </p:cTn>
+                                        <p:tgtEl>
+                                          <p:spTgt spid="8"/>
+                                        </p:tgtEl>
+                                        <p:attrNameLst>
+                                          <p:attrName>style.visibility</p:attrName>
+                                        </p:attrNameLst>
+                                      </p:cBhvr>
+                                      <p:to>
+                                        <p:strVal val="visible"/>
+                                      </p:to>
+                                    </p:set>
+                                  </p:childTnLst>
+                                </p:cTn>
+                              </p:par>
+                            </p:childTnLst>
+                          </p:cTn>
+                        </p:par>
+                      </p:childTnLst>
+                    </p:cTn>
+                  </p:par>
+                  <p:par>
+                    <p:cTn id="7" fill="hold">
+                      <p:stCondLst>
+                        <p:cond delay="indefinite"/>
+                      </p:stCondLst>
+                      <p:childTnLst>
+                        <p:par>
+                          <p:cTn id="8" fill="hold">
+                            <p:stCondLst>
+                              <p:cond delay="0"/>
+                            </p:stCondLst>
+                            <p:childTnLst>
+                              <p:par>
+                                <p:cTn id="9" presetID="1" presetClass="entr" presetSubtype="0" fill="hold" nodeType="clickEffect">
+                                  <p:stCondLst>
+                                    <p:cond delay="0"/>
+                                  </p:stCondLst>
+                                  <p:childTnLst>
+                                    <p:set>
+                                      <p:cBhvr>
+                                        <p:cTn id="10" dur="1" fill="hold">
+                                          <p:stCondLst>
+                                            <p:cond delay="0"/>
+                                          </p:stCondLst>
+                                        </p:cTn>
+                                        <p:tgtEl>
+                                          <p:spTgt spid="13"/>
+                                        </p:tgtEl>
+                                        <p:attrNameLst>
+                                          <p:attrName>style.visibility</p:attrName>
+                                        </p:attrNameLst>
+                                      </p:cBhvr>
+                                      <p:to>
+                                        <p:strVal val="visible"/>
+                                      </p:to>
+                                    </p:set>
+                                  </p:childTnLst>
+                                </p:cTn>
+                              </p:par>
+                            </p:childTnLst>
+                          </p:cTn>
+                        </p:par>
+                      </p:childTnLst>
+                    </p:cTn>
+                  </p:par>
+                  <p:par>
+                    <p:cTn id="11" fill="hold">
+                      <p:stCondLst>
+                        <p:cond delay="indefinite"/>
+                      </p:stCondLst>
+                      <p:childTnLst>
+                        <p:par>
+                          <p:cTn id="12" fill="hold">
+                            <p:stCondLst>
+                              <p:cond delay="0"/>
+                            </p:stCondLst>
+                            <p:childTnLst>
+                              <p:par>
+                                <p:cTn id="13" presetID="1" presetClass="entr" presetSubtype="0" fill="hold" nodeType="clickEffect">
+                                  <p:stCondLst>
+                                    <p:cond delay="0"/>
+                                  </p:stCondLst>
+                                  <p:childTnLst>
+                                    <p:set>
+                                      <p:cBhvr>
+                                        <p:cTn id="14" dur="1" fill="hold">
+                                          <p:stCondLst>
+                                            <p:cond delay="0"/>
+                                          </p:stCondLst>
+                                        </p:cTn>
+                                        <p:tgtEl>
+                                          <p:spTgt spid="7"/>
+                                        </p:tgtEl>
+                                        <p:attrNameLst>
+                                          <p:attrName>style.visibility</p:attrName>
+                                        </p:attrNameLst>
+                                      </p:cBhvr>
+                                      <p:to>
+                                        <p:strVal val="visible"/>
+                                      </p:to>
+                                    </p:set>
+                                  </p:childTnLst>
+                                </p:cTn>
+                              </p:par>
+                            </p:childTnLst>
+                          </p:cTn>
+                        </p:par>
+                      </p:childTnLst>
+                    </p:cTn>
+                  </p:par>
+                </p:childTnLst>
+              </p:cTn>
+              <p:prevCondLst>
+                <p:cond evt="onPrev" delay="0">
+                  <p:tgtEl>
+                    <p:sldTgt/>
+                  </p:tgtEl>
+                </p:cond>
+              </p:prevCondLst>
+              <p:nextCondLst>
+                <p:cond evt="onNext" delay="0">
+                  <p:tgtEl>
+                    <p:sldTgt/>
+                  </p:tgtEl>
+                </p:cond>
+              </p:nextCondLst>
+            </p:seq>
+          </p:childTnLst>
+        </p:cTn>
+      </p:par>
+    </p:tnLst>
+    <p:bldLst>
+      <p:bldP spid="8" grpId="0" animBg="1"/>
+    </p:bldLst>
+  </p:timing>
+</p:sld>
+</file>
+
+<file path=ppt/slides/slide15.xml><?xml version="1.0" encoding="utf-8"?>
+<p:sld xmlns:a="http://schemas.openxmlformats.org/drawingml/2006/main" xmlns:r="http://schemas.openxmlformats.org/officeDocument/2006/relationships" xmlns:p="http://schemas.openxmlformats.org/presentationml/2006/main">
+  <p:cSld>
+    <p:spTree>
+      <p:nvGrpSpPr>
+        <p:cNvPr id="1" name=""/>
+        <p:cNvGrpSpPr/>
+        <p:nvPr/>
+      </p:nvGrpSpPr>
+      <p:grpSpPr>
+        <a:xfrm>
+          <a:off x="0" y="0"/>
+          <a:ext cx="0" cy="0"/>
+          <a:chOff x="0" y="0"/>
+          <a:chExt cx="0" cy="0"/>
+        </a:xfrm>
+      </p:grpSpPr>
       <p:pic>
         <p:nvPicPr>
           <p:cNvPr id="8" name="그림 7">
@@ -7364,7 +8178,7 @@
 </p:sld>
 </file>
 
-<file path=ppt/slides/slide15.xml><?xml version="1.0" encoding="utf-8"?>
+<file path=ppt/slides/slide16.xml><?xml version="1.0" encoding="utf-8"?>
 <p:sld xmlns:a="http://schemas.openxmlformats.org/drawingml/2006/main" xmlns:r="http://schemas.openxmlformats.org/officeDocument/2006/relationships" xmlns:p="http://schemas.openxmlformats.org/presentationml/2006/main">
   <p:cSld>
     <p:spTree>
